--- a/Canary.pptx
+++ b/Canary.pptx
@@ -8,6 +8,8 @@
     <p:sldId id="257" r:id="rId2"/>
     <p:sldId id="258" r:id="rId3"/>
     <p:sldId id="259" r:id="rId4"/>
+    <p:sldId id="260" r:id="rId5"/>
+    <p:sldId id="261" r:id="rId6"/>
   </p:sldIdLst>
   <p:sldSz cx="12192000" cy="6858000"/>
   <p:notesSz cx="6858000" cy="9144000"/>
@@ -106,6 +108,11 @@
       </a:defRPr>
     </a:lvl9pPr>
   </p:defaultTextStyle>
+  <p:extLst>
+    <p:ext uri="{EFAFB233-063F-42B5-8137-9DF3F51BA10A}">
+      <p15:sldGuideLst xmlns:p15="http://schemas.microsoft.com/office/powerpoint/2012/main"/>
+    </p:ext>
+  </p:extLst>
 </p:presentation>
 </file>
 
@@ -3672,39 +3679,305 @@
           <a:bodyPr/>
           <a:lstStyle/>
           <a:p>
-            <a:endParaRPr lang="en-US"/>
-          </a:p>
-        </p:txBody>
-      </p:sp>
-      <p:sp>
-        <p:nvSpPr>
-          <p:cNvPr id="3" name="Content Placeholder 2">
-            <a:extLst>
-              <a:ext uri="{FF2B5EF4-FFF2-40B4-BE49-F238E27FC236}">
-                <a16:creationId xmlns:a16="http://schemas.microsoft.com/office/drawing/2014/main" id="{24B482FB-E1CB-467E-98CD-7229889240D0}"/>
-              </a:ext>
-            </a:extLst>
-          </p:cNvPr>
-          <p:cNvSpPr>
-            <a:spLocks noGrp="1"/>
-          </p:cNvSpPr>
+            <a:r>
+              <a:rPr lang="zh-TW" altLang="en-US" dirty="0"/>
+              <a:t>先取得</a:t>
+            </a:r>
+            <a:r>
+              <a:rPr lang="en-US" altLang="zh-TW" dirty="0"/>
+              <a:t>license</a:t>
+            </a:r>
+            <a:endParaRPr lang="en-US" dirty="0"/>
+          </a:p>
+        </p:txBody>
+      </p:sp>
+      <p:pic>
+        <p:nvPicPr>
+          <p:cNvPr id="4" name="Content Placeholder 3">
+            <a:extLst>
+              <a:ext uri="{FF2B5EF4-FFF2-40B4-BE49-F238E27FC236}">
+                <a16:creationId xmlns:a16="http://schemas.microsoft.com/office/drawing/2014/main" id="{90602914-3B42-4D87-B2B5-89D310DC4458}"/>
+              </a:ext>
+            </a:extLst>
+          </p:cNvPr>
+          <p:cNvPicPr>
+            <a:picLocks noGrp="1" noChangeAspect="1"/>
+          </p:cNvPicPr>
           <p:nvPr>
             <p:ph idx="1"/>
           </p:nvPr>
-        </p:nvSpPr>
-        <p:spPr/>
-        <p:txBody>
-          <a:bodyPr/>
-          <a:lstStyle/>
-          <a:p>
-            <a:endParaRPr lang="en-US"/>
-          </a:p>
-        </p:txBody>
-      </p:sp>
+        </p:nvPicPr>
+        <p:blipFill>
+          <a:blip r:embed="rId2"/>
+          <a:stretch>
+            <a:fillRect/>
+          </a:stretch>
+        </p:blipFill>
+        <p:spPr>
+          <a:xfrm>
+            <a:off x="838200" y="1805727"/>
+            <a:ext cx="10515600" cy="4687148"/>
+          </a:xfrm>
+          <a:prstGeom prst="rect">
+            <a:avLst/>
+          </a:prstGeom>
+        </p:spPr>
+      </p:pic>
     </p:spTree>
     <p:extLst>
       <p:ext uri="{BB962C8B-B14F-4D97-AF65-F5344CB8AC3E}">
         <p14:creationId xmlns:p14="http://schemas.microsoft.com/office/powerpoint/2010/main" val="3312177726"/>
+      </p:ext>
+    </p:extLst>
+  </p:cSld>
+  <p:clrMapOvr>
+    <a:masterClrMapping/>
+  </p:clrMapOvr>
+</p:sld>
+</file>
+
+<file path=ppt/slides/slide4.xml><?xml version="1.0" encoding="utf-8"?>
+<p:sld xmlns:a="http://schemas.openxmlformats.org/drawingml/2006/main" xmlns:r="http://schemas.openxmlformats.org/officeDocument/2006/relationships" xmlns:p="http://schemas.openxmlformats.org/presentationml/2006/main">
+  <p:cSld>
+    <p:spTree>
+      <p:nvGrpSpPr>
+        <p:cNvPr id="1" name=""/>
+        <p:cNvGrpSpPr/>
+        <p:nvPr/>
+      </p:nvGrpSpPr>
+      <p:grpSpPr>
+        <a:xfrm>
+          <a:off x="0" y="0"/>
+          <a:ext cx="0" cy="0"/>
+          <a:chOff x="0" y="0"/>
+          <a:chExt cx="0" cy="0"/>
+        </a:xfrm>
+      </p:grpSpPr>
+      <p:sp>
+        <p:nvSpPr>
+          <p:cNvPr id="2" name="Title 1">
+            <a:extLst>
+              <a:ext uri="{FF2B5EF4-FFF2-40B4-BE49-F238E27FC236}">
+                <a16:creationId xmlns:a16="http://schemas.microsoft.com/office/drawing/2014/main" id="{D00B1334-45EA-4179-8861-05FB5CBD0110}"/>
+              </a:ext>
+            </a:extLst>
+          </p:cNvPr>
+          <p:cNvSpPr>
+            <a:spLocks noGrp="1"/>
+          </p:cNvSpPr>
+          <p:nvPr>
+            <p:ph type="title"/>
+          </p:nvPr>
+        </p:nvSpPr>
+        <p:spPr/>
+        <p:txBody>
+          <a:bodyPr/>
+          <a:lstStyle/>
+          <a:p>
+            <a:r>
+              <a:rPr lang="en-US" dirty="0"/>
+              <a:t>MQTT collector</a:t>
+            </a:r>
+          </a:p>
+        </p:txBody>
+      </p:sp>
+      <p:sp>
+        <p:nvSpPr>
+          <p:cNvPr id="3" name="Content Placeholder 2">
+            <a:extLst>
+              <a:ext uri="{FF2B5EF4-FFF2-40B4-BE49-F238E27FC236}">
+                <a16:creationId xmlns:a16="http://schemas.microsoft.com/office/drawing/2014/main" id="{844994EA-2A63-4490-B1D8-65D34C8E2577}"/>
+              </a:ext>
+            </a:extLst>
+          </p:cNvPr>
+          <p:cNvSpPr>
+            <a:spLocks noGrp="1"/>
+          </p:cNvSpPr>
+          <p:nvPr>
+            <p:ph idx="1"/>
+          </p:nvPr>
+        </p:nvSpPr>
+        <p:spPr/>
+        <p:txBody>
+          <a:bodyPr/>
+          <a:lstStyle/>
+          <a:p>
+            <a:r>
+              <a:rPr lang="zh-TW" altLang="en-US" dirty="0"/>
+              <a:t>在設定</a:t>
+            </a:r>
+            <a:r>
+              <a:rPr lang="en-US" altLang="zh-TW" dirty="0"/>
+              <a:t>MQTT</a:t>
+            </a:r>
+            <a:r>
+              <a:rPr lang="zh-TW" altLang="en-US" dirty="0"/>
+              <a:t>，需要先安裝此軟體</a:t>
+            </a:r>
+            <a:endParaRPr lang="en-US" altLang="zh-TW" dirty="0"/>
+          </a:p>
+          <a:p>
+            <a:r>
+              <a:rPr lang="en-US" dirty="0">
+                <a:hlinkClick r:id="rId2"/>
+              </a:rPr>
+              <a:t>https://help.canarylabs.com/hc/en-us/articles/360046916793-Configuring-the-MQTT-collector</a:t>
+            </a:r>
+            <a:endParaRPr lang="en-US" dirty="0"/>
+          </a:p>
+          <a:p>
+            <a:r>
+              <a:rPr lang="zh-TW" altLang="en-US" dirty="0"/>
+              <a:t>設定檔案在此路徑底下。</a:t>
+            </a:r>
+            <a:endParaRPr lang="en-US" dirty="0"/>
+          </a:p>
+        </p:txBody>
+      </p:sp>
+      <p:pic>
+        <p:nvPicPr>
+          <p:cNvPr id="5" name="Picture 4">
+            <a:extLst>
+              <a:ext uri="{FF2B5EF4-FFF2-40B4-BE49-F238E27FC236}">
+                <a16:creationId xmlns:a16="http://schemas.microsoft.com/office/drawing/2014/main" id="{B4EDB59D-7398-44C2-8275-153B091BD1B3}"/>
+              </a:ext>
+            </a:extLst>
+          </p:cNvPr>
+          <p:cNvPicPr>
+            <a:picLocks noChangeAspect="1"/>
+          </p:cNvPicPr>
+          <p:nvPr/>
+        </p:nvPicPr>
+        <p:blipFill>
+          <a:blip r:embed="rId3"/>
+          <a:stretch>
+            <a:fillRect/>
+          </a:stretch>
+        </p:blipFill>
+        <p:spPr>
+          <a:xfrm>
+            <a:off x="838200" y="4909111"/>
+            <a:ext cx="914400" cy="1095375"/>
+          </a:xfrm>
+          <a:prstGeom prst="rect">
+            <a:avLst/>
+          </a:prstGeom>
+        </p:spPr>
+      </p:pic>
+      <p:pic>
+        <p:nvPicPr>
+          <p:cNvPr id="7" name="Picture 6">
+            <a:extLst>
+              <a:ext uri="{FF2B5EF4-FFF2-40B4-BE49-F238E27FC236}">
+                <a16:creationId xmlns:a16="http://schemas.microsoft.com/office/drawing/2014/main" id="{1DC00F8F-C620-4C7F-9FB8-F748A264ABFD}"/>
+              </a:ext>
+            </a:extLst>
+          </p:cNvPr>
+          <p:cNvPicPr>
+            <a:picLocks noChangeAspect="1"/>
+          </p:cNvPicPr>
+          <p:nvPr/>
+        </p:nvPicPr>
+        <p:blipFill>
+          <a:blip r:embed="rId4"/>
+          <a:stretch>
+            <a:fillRect/>
+          </a:stretch>
+        </p:blipFill>
+        <p:spPr>
+          <a:xfrm>
+            <a:off x="1752600" y="4909111"/>
+            <a:ext cx="9601200" cy="1396097"/>
+          </a:xfrm>
+          <a:prstGeom prst="rect">
+            <a:avLst/>
+          </a:prstGeom>
+        </p:spPr>
+      </p:pic>
+    </p:spTree>
+    <p:extLst>
+      <p:ext uri="{BB962C8B-B14F-4D97-AF65-F5344CB8AC3E}">
+        <p14:creationId xmlns:p14="http://schemas.microsoft.com/office/powerpoint/2010/main" val="2191479387"/>
+      </p:ext>
+    </p:extLst>
+  </p:cSld>
+  <p:clrMapOvr>
+    <a:masterClrMapping/>
+  </p:clrMapOvr>
+</p:sld>
+</file>
+
+<file path=ppt/slides/slide5.xml><?xml version="1.0" encoding="utf-8"?>
+<p:sld xmlns:a="http://schemas.openxmlformats.org/drawingml/2006/main" xmlns:r="http://schemas.openxmlformats.org/officeDocument/2006/relationships" xmlns:p="http://schemas.openxmlformats.org/presentationml/2006/main">
+  <p:cSld>
+    <p:spTree>
+      <p:nvGrpSpPr>
+        <p:cNvPr id="1" name=""/>
+        <p:cNvGrpSpPr/>
+        <p:nvPr/>
+      </p:nvGrpSpPr>
+      <p:grpSpPr>
+        <a:xfrm>
+          <a:off x="0" y="0"/>
+          <a:ext cx="0" cy="0"/>
+          <a:chOff x="0" y="0"/>
+          <a:chExt cx="0" cy="0"/>
+        </a:xfrm>
+      </p:grpSpPr>
+      <p:sp>
+        <p:nvSpPr>
+          <p:cNvPr id="2" name="Title 1">
+            <a:extLst>
+              <a:ext uri="{FF2B5EF4-FFF2-40B4-BE49-F238E27FC236}">
+                <a16:creationId xmlns:a16="http://schemas.microsoft.com/office/drawing/2014/main" id="{A379D167-6FC0-4E62-AC98-D663FCFC2089}"/>
+              </a:ext>
+            </a:extLst>
+          </p:cNvPr>
+          <p:cNvSpPr>
+            <a:spLocks noGrp="1"/>
+          </p:cNvSpPr>
+          <p:nvPr>
+            <p:ph type="title"/>
+          </p:nvPr>
+        </p:nvSpPr>
+        <p:spPr/>
+        <p:txBody>
+          <a:bodyPr/>
+          <a:lstStyle/>
+          <a:p>
+            <a:endParaRPr lang="en-US"/>
+          </a:p>
+        </p:txBody>
+      </p:sp>
+      <p:sp>
+        <p:nvSpPr>
+          <p:cNvPr id="3" name="Content Placeholder 2">
+            <a:extLst>
+              <a:ext uri="{FF2B5EF4-FFF2-40B4-BE49-F238E27FC236}">
+                <a16:creationId xmlns:a16="http://schemas.microsoft.com/office/drawing/2014/main" id="{CE49804C-E02D-4683-80BE-D03D2F027068}"/>
+              </a:ext>
+            </a:extLst>
+          </p:cNvPr>
+          <p:cNvSpPr>
+            <a:spLocks noGrp="1"/>
+          </p:cNvSpPr>
+          <p:nvPr>
+            <p:ph idx="1"/>
+          </p:nvPr>
+        </p:nvSpPr>
+        <p:spPr/>
+        <p:txBody>
+          <a:bodyPr/>
+          <a:lstStyle/>
+          <a:p>
+            <a:endParaRPr lang="en-US"/>
+          </a:p>
+        </p:txBody>
+      </p:sp>
+    </p:spTree>
+    <p:extLst>
+      <p:ext uri="{BB962C8B-B14F-4D97-AF65-F5344CB8AC3E}">
+        <p14:creationId xmlns:p14="http://schemas.microsoft.com/office/powerpoint/2010/main" val="429614766"/>
       </p:ext>
     </p:extLst>
   </p:cSld>

--- a/Canary.pptx
+++ b/Canary.pptx
@@ -9,7 +9,6 @@
     <p:sldId id="258" r:id="rId3"/>
     <p:sldId id="259" r:id="rId4"/>
     <p:sldId id="260" r:id="rId5"/>
-    <p:sldId id="261" r:id="rId6"/>
   </p:sldIdLst>
   <p:sldSz cx="12192000" cy="6858000"/>
   <p:notesSz cx="6858000" cy="9144000"/>
@@ -3907,86 +3906,6 @@
 </p:sld>
 </file>
 
-<file path=ppt/slides/slide5.xml><?xml version="1.0" encoding="utf-8"?>
-<p:sld xmlns:a="http://schemas.openxmlformats.org/drawingml/2006/main" xmlns:r="http://schemas.openxmlformats.org/officeDocument/2006/relationships" xmlns:p="http://schemas.openxmlformats.org/presentationml/2006/main">
-  <p:cSld>
-    <p:spTree>
-      <p:nvGrpSpPr>
-        <p:cNvPr id="1" name=""/>
-        <p:cNvGrpSpPr/>
-        <p:nvPr/>
-      </p:nvGrpSpPr>
-      <p:grpSpPr>
-        <a:xfrm>
-          <a:off x="0" y="0"/>
-          <a:ext cx="0" cy="0"/>
-          <a:chOff x="0" y="0"/>
-          <a:chExt cx="0" cy="0"/>
-        </a:xfrm>
-      </p:grpSpPr>
-      <p:sp>
-        <p:nvSpPr>
-          <p:cNvPr id="2" name="Title 1">
-            <a:extLst>
-              <a:ext uri="{FF2B5EF4-FFF2-40B4-BE49-F238E27FC236}">
-                <a16:creationId xmlns:a16="http://schemas.microsoft.com/office/drawing/2014/main" id="{A379D167-6FC0-4E62-AC98-D663FCFC2089}"/>
-              </a:ext>
-            </a:extLst>
-          </p:cNvPr>
-          <p:cNvSpPr>
-            <a:spLocks noGrp="1"/>
-          </p:cNvSpPr>
-          <p:nvPr>
-            <p:ph type="title"/>
-          </p:nvPr>
-        </p:nvSpPr>
-        <p:spPr/>
-        <p:txBody>
-          <a:bodyPr/>
-          <a:lstStyle/>
-          <a:p>
-            <a:endParaRPr lang="en-US"/>
-          </a:p>
-        </p:txBody>
-      </p:sp>
-      <p:sp>
-        <p:nvSpPr>
-          <p:cNvPr id="3" name="Content Placeholder 2">
-            <a:extLst>
-              <a:ext uri="{FF2B5EF4-FFF2-40B4-BE49-F238E27FC236}">
-                <a16:creationId xmlns:a16="http://schemas.microsoft.com/office/drawing/2014/main" id="{CE49804C-E02D-4683-80BE-D03D2F027068}"/>
-              </a:ext>
-            </a:extLst>
-          </p:cNvPr>
-          <p:cNvSpPr>
-            <a:spLocks noGrp="1"/>
-          </p:cNvSpPr>
-          <p:nvPr>
-            <p:ph idx="1"/>
-          </p:nvPr>
-        </p:nvSpPr>
-        <p:spPr/>
-        <p:txBody>
-          <a:bodyPr/>
-          <a:lstStyle/>
-          <a:p>
-            <a:endParaRPr lang="en-US"/>
-          </a:p>
-        </p:txBody>
-      </p:sp>
-    </p:spTree>
-    <p:extLst>
-      <p:ext uri="{BB962C8B-B14F-4D97-AF65-F5344CB8AC3E}">
-        <p14:creationId xmlns:p14="http://schemas.microsoft.com/office/powerpoint/2010/main" val="429614766"/>
-      </p:ext>
-    </p:extLst>
-  </p:cSld>
-  <p:clrMapOvr>
-    <a:masterClrMapping/>
-  </p:clrMapOvr>
-</p:sld>
-</file>
-
 <file path=ppt/theme/theme1.xml><?xml version="1.0" encoding="utf-8"?>
 <a:theme xmlns:a="http://schemas.openxmlformats.org/drawingml/2006/main" name="Office Theme">
   <a:themeElements>
